--- a/demo/offenseval-poster.pptx
+++ b/demo/offenseval-poster.pptx
@@ -10144,7 +10144,7 @@
                 </a:solidFill>
                 <a:latin typeface="Arial"/>
               </a:rPr>
-              <a:t> 2019 – BERT vs Logistic Regression</a:t>
+              <a:t> 2019 – BERT with Logistic Regression</a:t>
             </a:r>
             <a:endParaRPr lang="en-US" sz="9600" spc="-1" dirty="0">
               <a:latin typeface="Arial"/>
@@ -10199,8 +10199,8 @@
         </p:nvSpPr>
         <p:spPr>
           <a:xfrm>
-            <a:off x="29619581" y="25578908"/>
-            <a:ext cx="11611510" cy="4729358"/>
+            <a:off x="651966" y="27265241"/>
+            <a:ext cx="11603849" cy="3793260"/>
           </a:xfrm>
           <a:prstGeom prst="rect">
             <a:avLst/>
@@ -10243,8 +10243,8 @@
         </p:nvSpPr>
         <p:spPr>
           <a:xfrm>
-            <a:off x="29619582" y="5039600"/>
-            <a:ext cx="11611510" cy="18713780"/>
+            <a:off x="27974494" y="5039599"/>
+            <a:ext cx="13256598" cy="26018901"/>
           </a:xfrm>
           <a:prstGeom prst="rect">
             <a:avLst/>
@@ -10287,8 +10287,8 @@
         </p:nvSpPr>
         <p:spPr>
           <a:xfrm>
-            <a:off x="720743" y="15293565"/>
-            <a:ext cx="11611510" cy="8619058"/>
+            <a:off x="644309" y="12693704"/>
+            <a:ext cx="11611510" cy="7285529"/>
           </a:xfrm>
           <a:prstGeom prst="rect">
             <a:avLst/>
@@ -10332,7 +10332,7 @@
         <p:spPr>
           <a:xfrm>
             <a:off x="730705" y="5015674"/>
-            <a:ext cx="11611510" cy="8443175"/>
+            <a:ext cx="11611510" cy="6521739"/>
           </a:xfrm>
           <a:prstGeom prst="rect">
             <a:avLst/>
@@ -10375,8 +10375,8 @@
         </p:nvSpPr>
         <p:spPr>
           <a:xfrm>
-            <a:off x="13449572" y="5015674"/>
-            <a:ext cx="14896828" cy="15012809"/>
+            <a:off x="13449571" y="5015676"/>
+            <a:ext cx="13869781" cy="11288602"/>
           </a:xfrm>
           <a:prstGeom prst="rect">
             <a:avLst/>
@@ -10421,8 +10421,8 @@
         </p:nvSpPr>
         <p:spPr bwMode="auto">
           <a:xfrm>
-            <a:off x="1127408" y="15535752"/>
-            <a:ext cx="10804384" cy="6740301"/>
+            <a:off x="1127408" y="13237220"/>
+            <a:ext cx="10804384" cy="7478964"/>
           </a:xfrm>
           <a:prstGeom prst="rect">
             <a:avLst/>
@@ -10577,7 +10577,7 @@
                 </a:solidFill>
                 <a:latin typeface="Calibri"/>
               </a:rPr>
-              <a:t>Use fine-tuned BERT model for context based classification and logistic regression for confirmation of BERT’s classifications.</a:t>
+              <a:t>Use an Ensemble of a fine-tuned BERT model for context based classification and logistic regression for confirmation of BERT’s classifications.</a:t>
             </a:r>
             <a:endParaRPr lang="en-US" sz="4800" spc="-1" dirty="0">
               <a:latin typeface="Arial"/>
@@ -10618,7 +10618,7 @@
         </p:nvSpPr>
         <p:spPr bwMode="auto">
           <a:xfrm>
-            <a:off x="720743" y="14373547"/>
+            <a:off x="651966" y="11946311"/>
             <a:ext cx="11611510" cy="923324"/>
           </a:xfrm>
           <a:prstGeom prst="rect">
@@ -10755,8 +10755,8 @@
         </p:nvSpPr>
         <p:spPr bwMode="auto">
           <a:xfrm>
-            <a:off x="30076618" y="6324294"/>
-            <a:ext cx="10659371" cy="2308318"/>
+            <a:off x="28460580" y="6324294"/>
+            <a:ext cx="12275409" cy="18558921"/>
           </a:xfrm>
           <a:prstGeom prst="rect">
             <a:avLst/>
@@ -10870,9 +10870,12 @@
             </a:lvl9pPr>
           </a:lstStyle>
           <a:p>
-            <a:pPr lvl="0" eaLnBrk="1" hangingPunct="1"/>
-            <a:r>
-              <a:rPr lang="en-US" sz="4800" dirty="0">
+            <a:pPr marL="685800" indent="-685800" eaLnBrk="1" hangingPunct="1">
+              <a:buFontTx/>
+              <a:buChar char="-"/>
+            </a:pPr>
+            <a:r>
+              <a:rPr lang="en-US" sz="4800" b="1" dirty="0">
                 <a:solidFill>
                   <a:schemeClr val="accent2">
                     <a:lumMod val="75000"/>
@@ -10880,8 +10883,383 @@
                 </a:solidFill>
                 <a:latin typeface="Calibri"/>
               </a:rPr>
-              <a:t>Change the purposes of the boxes. Remember, this is your poster showing your process or your ideas.</a:t>
-            </a:r>
+              <a:t>Problems with Unigram Model : </a:t>
+            </a:r>
+            <a:br>
+              <a:rPr lang="en-US" sz="4800" b="1" dirty="0">
+                <a:solidFill>
+                  <a:schemeClr val="accent2">
+                    <a:lumMod val="75000"/>
+                  </a:schemeClr>
+                </a:solidFill>
+                <a:latin typeface="Calibri"/>
+              </a:rPr>
+            </a:br>
+            <a:r>
+              <a:rPr lang="en-US" sz="4800" b="1" dirty="0">
+                <a:solidFill>
+                  <a:schemeClr val="accent2">
+                    <a:lumMod val="75000"/>
+                  </a:schemeClr>
+                </a:solidFill>
+                <a:latin typeface="Calibri"/>
+              </a:rPr>
+              <a:t>1) </a:t>
+            </a:r>
+            <a:r>
+              <a:rPr lang="en-US" sz="4800" dirty="0">
+                <a:solidFill>
+                  <a:schemeClr val="accent2">
+                    <a:lumMod val="75000"/>
+                  </a:schemeClr>
+                </a:solidFill>
+                <a:latin typeface="Calibri"/>
+              </a:rPr>
+              <a:t>Fails to capture misspellings of offensive words </a:t>
+            </a:r>
+            <a:r>
+              <a:rPr lang="en-US" sz="4800" dirty="0" err="1">
+                <a:solidFill>
+                  <a:schemeClr val="accent2">
+                    <a:lumMod val="75000"/>
+                  </a:schemeClr>
+                </a:solidFill>
+                <a:latin typeface="Calibri"/>
+              </a:rPr>
+              <a:t>egs</a:t>
+            </a:r>
+            <a:r>
+              <a:rPr lang="en-US" sz="4800" dirty="0">
+                <a:solidFill>
+                  <a:schemeClr val="accent2">
+                    <a:lumMod val="75000"/>
+                  </a:schemeClr>
+                </a:solidFill>
+                <a:latin typeface="Calibri"/>
+              </a:rPr>
+              <a:t>:  f$$$$$$, </a:t>
+            </a:r>
+            <a:r>
+              <a:rPr lang="en-US" sz="4800" dirty="0" err="1">
+                <a:solidFill>
+                  <a:schemeClr val="accent2">
+                    <a:lumMod val="75000"/>
+                  </a:schemeClr>
+                </a:solidFill>
+                <a:latin typeface="Calibri"/>
+              </a:rPr>
+              <a:t>fuckkin</a:t>
+            </a:r>
+            <a:r>
+              <a:rPr lang="en-US" sz="4800" dirty="0">
+                <a:solidFill>
+                  <a:schemeClr val="accent2">
+                    <a:lumMod val="75000"/>
+                  </a:schemeClr>
+                </a:solidFill>
+                <a:latin typeface="Calibri"/>
+              </a:rPr>
+              <a:t>.</a:t>
+            </a:r>
+            <a:br>
+              <a:rPr lang="en-US" sz="4800" dirty="0">
+                <a:solidFill>
+                  <a:schemeClr val="accent2">
+                    <a:lumMod val="75000"/>
+                  </a:schemeClr>
+                </a:solidFill>
+                <a:latin typeface="Calibri"/>
+              </a:rPr>
+            </a:br>
+            <a:r>
+              <a:rPr lang="en-US" sz="4800" dirty="0">
+                <a:solidFill>
+                  <a:schemeClr val="accent2">
+                    <a:lumMod val="75000"/>
+                  </a:schemeClr>
+                </a:solidFill>
+                <a:latin typeface="Calibri"/>
+              </a:rPr>
+              <a:t>- Char-7grams worked well in this scenario</a:t>
+            </a:r>
+            <a:br>
+              <a:rPr lang="en-US" sz="4800" b="1" dirty="0">
+                <a:solidFill>
+                  <a:schemeClr val="accent2">
+                    <a:lumMod val="75000"/>
+                  </a:schemeClr>
+                </a:solidFill>
+                <a:latin typeface="Calibri"/>
+              </a:rPr>
+            </a:br>
+            <a:r>
+              <a:rPr lang="en-US" sz="4800" b="1" dirty="0">
+                <a:solidFill>
+                  <a:schemeClr val="accent2">
+                    <a:lumMod val="75000"/>
+                  </a:schemeClr>
+                </a:solidFill>
+                <a:latin typeface="Calibri"/>
+              </a:rPr>
+              <a:t>2) </a:t>
+            </a:r>
+            <a:r>
+              <a:rPr lang="en-US" sz="4800" dirty="0">
+                <a:solidFill>
+                  <a:schemeClr val="accent2">
+                    <a:lumMod val="75000"/>
+                  </a:schemeClr>
+                </a:solidFill>
+                <a:latin typeface="Calibri"/>
+              </a:rPr>
+              <a:t>Flags non offensive phrases incorrectly as offensive due to offensive words being present. </a:t>
+            </a:r>
+            <a:r>
+              <a:rPr lang="en-US" sz="4800" dirty="0" err="1">
+                <a:solidFill>
+                  <a:schemeClr val="accent2">
+                    <a:lumMod val="75000"/>
+                  </a:schemeClr>
+                </a:solidFill>
+                <a:latin typeface="Calibri"/>
+              </a:rPr>
+              <a:t>Egs</a:t>
+            </a:r>
+            <a:r>
+              <a:rPr lang="en-US" sz="4800" dirty="0">
+                <a:solidFill>
+                  <a:schemeClr val="accent2">
+                    <a:lumMod val="75000"/>
+                  </a:schemeClr>
+                </a:solidFill>
+                <a:latin typeface="Calibri"/>
+              </a:rPr>
+              <a:t>: “Calm the fuck down”, “required with old ass games”, “the gay community does everything” BERT works well in these cases.</a:t>
+            </a:r>
+            <a:br>
+              <a:rPr lang="en-US" sz="4800" dirty="0">
+                <a:solidFill>
+                  <a:schemeClr val="accent2">
+                    <a:lumMod val="75000"/>
+                  </a:schemeClr>
+                </a:solidFill>
+                <a:latin typeface="Calibri"/>
+              </a:rPr>
+            </a:br>
+            <a:endParaRPr lang="en-US" sz="4800" dirty="0">
+              <a:solidFill>
+                <a:schemeClr val="accent2">
+                  <a:lumMod val="75000"/>
+                </a:schemeClr>
+              </a:solidFill>
+              <a:latin typeface="Calibri"/>
+            </a:endParaRPr>
+          </a:p>
+          <a:p>
+            <a:pPr marL="685800" indent="-685800" eaLnBrk="1" hangingPunct="1">
+              <a:buFontTx/>
+              <a:buChar char="-"/>
+            </a:pPr>
+            <a:r>
+              <a:rPr lang="en-US" sz="4800" b="1" dirty="0">
+                <a:solidFill>
+                  <a:schemeClr val="accent2">
+                    <a:lumMod val="75000"/>
+                  </a:schemeClr>
+                </a:solidFill>
+                <a:latin typeface="Calibri"/>
+              </a:rPr>
+              <a:t>Problems with all three models:</a:t>
+            </a:r>
+            <a:br>
+              <a:rPr lang="en-US" sz="4800" dirty="0">
+                <a:solidFill>
+                  <a:schemeClr val="accent2">
+                    <a:lumMod val="75000"/>
+                  </a:schemeClr>
+                </a:solidFill>
+                <a:latin typeface="Calibri"/>
+              </a:rPr>
+            </a:br>
+            <a:r>
+              <a:rPr lang="en-US" sz="4800" dirty="0">
+                <a:solidFill>
+                  <a:schemeClr val="accent2">
+                    <a:lumMod val="75000"/>
+                  </a:schemeClr>
+                </a:solidFill>
+                <a:latin typeface="Calibri"/>
+              </a:rPr>
+              <a:t>Model is biased to some keywords. Such as sentences containing the keyword </a:t>
+            </a:r>
+            <a:r>
+              <a:rPr lang="en-US" sz="4800" dirty="0" err="1">
+                <a:solidFill>
+                  <a:schemeClr val="accent2">
+                    <a:lumMod val="75000"/>
+                  </a:schemeClr>
+                </a:solidFill>
+                <a:latin typeface="Calibri"/>
+              </a:rPr>
+              <a:t>BrietbartNews</a:t>
+            </a:r>
+            <a:r>
+              <a:rPr lang="en-US" sz="4800" dirty="0">
+                <a:solidFill>
+                  <a:schemeClr val="accent2">
+                    <a:lumMod val="75000"/>
+                  </a:schemeClr>
+                </a:solidFill>
+                <a:latin typeface="Calibri"/>
+              </a:rPr>
+              <a:t> often gets tagged as offensive</a:t>
+            </a:r>
+          </a:p>
+          <a:p>
+            <a:pPr marL="685800" indent="-685800" eaLnBrk="1" hangingPunct="1">
+              <a:buFontTx/>
+              <a:buChar char="-"/>
+            </a:pPr>
+            <a:endParaRPr lang="en-US" sz="4800" dirty="0">
+              <a:solidFill>
+                <a:schemeClr val="accent2">
+                  <a:lumMod val="75000"/>
+                </a:schemeClr>
+              </a:solidFill>
+              <a:latin typeface="Calibri"/>
+            </a:endParaRPr>
+          </a:p>
+          <a:p>
+            <a:pPr marL="685800" indent="-685800" eaLnBrk="1" hangingPunct="1">
+              <a:buFontTx/>
+              <a:buChar char="-"/>
+            </a:pPr>
+            <a:r>
+              <a:rPr lang="en-US" sz="4800" b="1" dirty="0">
+                <a:solidFill>
+                  <a:schemeClr val="accent2">
+                    <a:lumMod val="75000"/>
+                  </a:schemeClr>
+                </a:solidFill>
+                <a:latin typeface="Calibri"/>
+              </a:rPr>
+              <a:t>Problems with Ensemble:</a:t>
+            </a:r>
+            <a:br>
+              <a:rPr lang="en-US" sz="4800" b="1" dirty="0">
+                <a:solidFill>
+                  <a:schemeClr val="accent2">
+                    <a:lumMod val="75000"/>
+                  </a:schemeClr>
+                </a:solidFill>
+                <a:latin typeface="Calibri"/>
+              </a:rPr>
+            </a:br>
+            <a:r>
+              <a:rPr lang="en-US" sz="4800" b="1" dirty="0">
+                <a:solidFill>
+                  <a:schemeClr val="accent2">
+                    <a:lumMod val="75000"/>
+                  </a:schemeClr>
+                </a:solidFill>
+                <a:latin typeface="Calibri"/>
+              </a:rPr>
+              <a:t>BERT is correct, but, other two classifier fails: “</a:t>
+            </a:r>
+            <a:r>
+              <a:rPr lang="en-US" sz="4800" dirty="0">
+                <a:solidFill>
+                  <a:schemeClr val="accent2">
+                    <a:lumMod val="75000"/>
+                  </a:schemeClr>
+                </a:solidFill>
+                <a:latin typeface="Calibri"/>
+              </a:rPr>
+              <a:t>Most of those </a:t>
+            </a:r>
+            <a:r>
+              <a:rPr lang="en-US" sz="4800" dirty="0" err="1">
+                <a:solidFill>
+                  <a:schemeClr val="accent2">
+                    <a:lumMod val="75000"/>
+                  </a:schemeClr>
+                </a:solidFill>
+                <a:latin typeface="Calibri"/>
+              </a:rPr>
+              <a:t>harrassers</a:t>
+            </a:r>
+            <a:r>
+              <a:rPr lang="en-US" sz="4800" dirty="0">
+                <a:solidFill>
+                  <a:schemeClr val="accent2">
+                    <a:lumMod val="75000"/>
+                  </a:schemeClr>
+                </a:solidFill>
+                <a:latin typeface="Calibri"/>
+              </a:rPr>
+              <a:t> should be thrown off Twitter under the rules. </a:t>
+            </a:r>
+            <a:r>
+              <a:rPr lang="en-US" sz="4800" dirty="0" err="1">
+                <a:solidFill>
+                  <a:schemeClr val="accent2">
+                    <a:lumMod val="75000"/>
+                  </a:schemeClr>
+                </a:solidFill>
+                <a:latin typeface="Calibri"/>
+              </a:rPr>
+              <a:t>Singleing</a:t>
+            </a:r>
+            <a:r>
+              <a:rPr lang="en-US" sz="4800" dirty="0">
+                <a:solidFill>
+                  <a:schemeClr val="accent2">
+                    <a:lumMod val="75000"/>
+                  </a:schemeClr>
+                </a:solidFill>
+                <a:latin typeface="Calibri"/>
+              </a:rPr>
+              <a:t> out an individual” – The gold label is NOT OFFENSIVE.</a:t>
+            </a:r>
+          </a:p>
+          <a:p>
+            <a:pPr lvl="0" eaLnBrk="1" hangingPunct="1"/>
+            <a:endParaRPr lang="en-US" sz="4800" dirty="0">
+              <a:solidFill>
+                <a:schemeClr val="accent2">
+                  <a:lumMod val="75000"/>
+                </a:schemeClr>
+              </a:solidFill>
+              <a:latin typeface="Calibri"/>
+            </a:endParaRPr>
+          </a:p>
+          <a:p>
+            <a:pPr marL="685800" lvl="0" indent="-685800" eaLnBrk="1" hangingPunct="1">
+              <a:buFontTx/>
+              <a:buChar char="-"/>
+            </a:pPr>
+            <a:endParaRPr lang="en-US" sz="4800" dirty="0">
+              <a:solidFill>
+                <a:schemeClr val="accent2">
+                  <a:lumMod val="75000"/>
+                </a:schemeClr>
+              </a:solidFill>
+              <a:latin typeface="Calibri"/>
+            </a:endParaRPr>
+          </a:p>
+          <a:p>
+            <a:pPr marL="685800" lvl="0" indent="-685800" eaLnBrk="1" hangingPunct="1">
+              <a:buFontTx/>
+              <a:buChar char="-"/>
+            </a:pPr>
+            <a:endParaRPr lang="en-US" sz="4800" dirty="0">
+              <a:solidFill>
+                <a:schemeClr val="accent2">
+                  <a:lumMod val="75000"/>
+                </a:schemeClr>
+              </a:solidFill>
+              <a:latin typeface="Calibri"/>
+            </a:endParaRPr>
           </a:p>
         </p:txBody>
       </p:sp>
@@ -10895,8 +11273,8 @@
         </p:nvSpPr>
         <p:spPr bwMode="auto">
           <a:xfrm>
-            <a:off x="30026246" y="25762558"/>
-            <a:ext cx="10709743" cy="5170640"/>
+            <a:off x="1160434" y="28204269"/>
+            <a:ext cx="10709743" cy="3785646"/>
           </a:xfrm>
           <a:prstGeom prst="rect">
             <a:avLst/>
@@ -11021,7 +11399,7 @@
               <a:buChar char="•"/>
             </a:pPr>
             <a:r>
-              <a:rPr lang="en-US" sz="6600" spc="-1" dirty="0">
+              <a:rPr lang="en-US" sz="4800" spc="-1" dirty="0">
                 <a:solidFill>
                   <a:srgbClr val="800418"/>
                 </a:solidFill>
@@ -11030,7 +11408,7 @@
               <a:t>Rahul Roy </a:t>
             </a:r>
             <a:r>
-              <a:rPr lang="en-US" sz="6600" spc="-1" dirty="0" err="1">
+              <a:rPr lang="en-US" sz="4800" spc="-1" dirty="0" err="1">
                 <a:solidFill>
                   <a:srgbClr val="800418"/>
                 </a:solidFill>
@@ -11039,7 +11417,7 @@
               <a:t>Mattam</a:t>
             </a:r>
             <a:r>
-              <a:rPr lang="en-US" sz="6600" spc="-1" dirty="0">
+              <a:rPr lang="en-US" sz="4800" spc="-1" dirty="0">
                 <a:solidFill>
                   <a:srgbClr val="800418"/>
                 </a:solidFill>
@@ -11048,7 +11426,7 @@
               <a:t> at </a:t>
             </a:r>
             <a:r>
-              <a:rPr lang="en-US" sz="6600" u="sng" spc="-1" dirty="0">
+              <a:rPr lang="en-US" sz="4800" u="sng" spc="-1" dirty="0">
                 <a:solidFill>
                   <a:srgbClr val="37241D"/>
                 </a:solidFill>
@@ -11057,7 +11435,7 @@
               <a:t>rmattam@email.arizona.edu</a:t>
             </a:r>
             <a:r>
-              <a:rPr lang="en-US" sz="6600" spc="-1" dirty="0">
+              <a:rPr lang="en-US" sz="4800" spc="-1" dirty="0">
                 <a:solidFill>
                   <a:srgbClr val="800418"/>
                 </a:solidFill>
@@ -11065,7 +11443,7 @@
               </a:rPr>
               <a:t> </a:t>
             </a:r>
-            <a:endParaRPr lang="en-US" sz="6600" spc="-1" dirty="0">
+            <a:endParaRPr lang="en-US" sz="4800" spc="-1" dirty="0">
               <a:latin typeface="Arial"/>
             </a:endParaRPr>
           </a:p>
@@ -11080,7 +11458,7 @@
               <a:buFont typeface="Arial"/>
               <a:buChar char="•"/>
             </a:pPr>
-            <a:endParaRPr lang="en-US" sz="6600" spc="-1" dirty="0">
+            <a:endParaRPr lang="en-US" sz="4800" spc="-1" dirty="0">
               <a:latin typeface="Arial"/>
             </a:endParaRPr>
           </a:p>
@@ -11090,13 +11468,13 @@
                 <a:spcPct val="100000"/>
               </a:lnSpc>
             </a:pPr>
-            <a:endParaRPr lang="en-US" sz="6600" spc="-1" dirty="0">
+            <a:endParaRPr lang="en-US" sz="4800" spc="-1" dirty="0">
               <a:latin typeface="Arial"/>
             </a:endParaRPr>
           </a:p>
           <a:p>
             <a:pPr lvl="0" eaLnBrk="1" hangingPunct="1"/>
-            <a:endParaRPr lang="en-US" sz="6600" dirty="0">
+            <a:endParaRPr lang="en-US" sz="4800" dirty="0">
               <a:solidFill>
                 <a:schemeClr val="accent2">
                   <a:lumMod val="75000"/>
@@ -11117,7 +11495,7 @@
         </p:nvSpPr>
         <p:spPr bwMode="auto">
           <a:xfrm>
-            <a:off x="29619582" y="24676983"/>
+            <a:off x="644305" y="26562532"/>
             <a:ext cx="11611510" cy="939028"/>
           </a:xfrm>
           <a:prstGeom prst="rect">
@@ -11451,8 +11829,8 @@
         </p:nvSpPr>
         <p:spPr bwMode="auto">
           <a:xfrm>
-            <a:off x="14065927" y="6363210"/>
-            <a:ext cx="13548953" cy="13665273"/>
+            <a:off x="14065928" y="6363210"/>
+            <a:ext cx="13261082" cy="10433619"/>
           </a:xfrm>
           <a:prstGeom prst="rect">
             <a:avLst/>
@@ -11571,7 +11949,16 @@
                 <a:spcPct val="100000"/>
               </a:lnSpc>
             </a:pPr>
-            <a:endParaRPr lang="en-US" sz="1800" spc="-1" dirty="0">
+            <a:r>
+              <a:rPr lang="en-US" sz="4800" b="1" spc="-1" dirty="0">
+                <a:solidFill>
+                  <a:srgbClr val="800418"/>
+                </a:solidFill>
+                <a:latin typeface="Calibri"/>
+              </a:rPr>
+              <a:t>Logistic Regression Models</a:t>
+            </a:r>
+            <a:endParaRPr lang="en-US" sz="4800" b="1" spc="-1" dirty="0">
               <a:latin typeface="Arial"/>
             </a:endParaRPr>
           </a:p>
@@ -11588,7 +11975,7 @@
                 </a:solidFill>
                 <a:latin typeface="Calibri"/>
               </a:rPr>
-              <a:t>Logistic Regression Models</a:t>
+              <a:t>- Unigram Word Model</a:t>
             </a:r>
             <a:endParaRPr lang="en-US" sz="4800" spc="-1" dirty="0">
               <a:latin typeface="Arial"/>
@@ -11607,7 +11994,25 @@
                 </a:solidFill>
                 <a:latin typeface="Calibri"/>
               </a:rPr>
-              <a:t>- Unigram Model</a:t>
+              <a:t>	F1 macro – 71.2%</a:t>
+            </a:r>
+            <a:r>
+              <a:rPr lang="en-US" sz="4800" spc="-1" dirty="0">
+                <a:solidFill>
+                  <a:srgbClr val="800418"/>
+                </a:solidFill>
+                <a:latin typeface="Arial"/>
+              </a:rPr>
+              <a:t> </a:t>
+            </a:r>
+            <a:r>
+              <a:rPr lang="en-US" sz="4800" spc="-1" dirty="0">
+                <a:solidFill>
+                  <a:srgbClr val="800418"/>
+                </a:solidFill>
+                <a:latin typeface="Calibri"/>
+              </a:rPr>
+              <a:t>		F1 micro – 79.5%</a:t>
             </a:r>
             <a:endParaRPr lang="en-US" sz="4800" spc="-1" dirty="0">
               <a:latin typeface="Arial"/>
@@ -11626,7 +12031,7 @@
                 </a:solidFill>
                 <a:latin typeface="Calibri"/>
               </a:rPr>
-              <a:t>	F1 macro – 71.2%</a:t>
+              <a:t>- Character-7gram model</a:t>
             </a:r>
             <a:endParaRPr lang="en-US" sz="4800" spc="-1" dirty="0">
               <a:latin typeface="Arial"/>
@@ -11645,18 +12050,14 @@
                 </a:solidFill>
                 <a:latin typeface="Calibri"/>
               </a:rPr>
-              <a:t>	F1 micro – 79.5%</a:t>
-            </a:r>
-            <a:endParaRPr lang="en-US" sz="4800" spc="-1" dirty="0">
-              <a:latin typeface="Arial"/>
-            </a:endParaRPr>
-          </a:p>
-          <a:p>
-            <a:pPr>
-              <a:lnSpc>
-                <a:spcPct val="100000"/>
-              </a:lnSpc>
-            </a:pPr>
+              <a:t>	F1 macro – 71.1%</a:t>
+            </a:r>
+            <a:r>
+              <a:rPr lang="en-US" sz="4800" spc="-1" dirty="0">
+                <a:latin typeface="Arial"/>
+              </a:rPr>
+              <a:t>		</a:t>
+            </a:r>
             <a:r>
               <a:rPr lang="en-US" sz="4800" spc="-1" dirty="0">
                 <a:solidFill>
@@ -11664,45 +12065,7 @@
                 </a:solidFill>
                 <a:latin typeface="Calibri"/>
               </a:rPr>
-              <a:t>- Char-7gram model</a:t>
-            </a:r>
-            <a:endParaRPr lang="en-US" sz="4800" spc="-1" dirty="0">
-              <a:latin typeface="Arial"/>
-            </a:endParaRPr>
-          </a:p>
-          <a:p>
-            <a:pPr>
-              <a:lnSpc>
-                <a:spcPct val="100000"/>
-              </a:lnSpc>
-            </a:pPr>
-            <a:r>
-              <a:rPr lang="en-US" sz="4800" spc="-1" dirty="0">
-                <a:solidFill>
-                  <a:srgbClr val="800418"/>
-                </a:solidFill>
-                <a:latin typeface="Calibri"/>
-              </a:rPr>
-              <a:t>	F1 macro – 71.1%</a:t>
-            </a:r>
-            <a:endParaRPr lang="en-US" sz="4800" spc="-1" dirty="0">
-              <a:latin typeface="Arial"/>
-            </a:endParaRPr>
-          </a:p>
-          <a:p>
-            <a:pPr>
-              <a:lnSpc>
-                <a:spcPct val="100000"/>
-              </a:lnSpc>
-            </a:pPr>
-            <a:r>
-              <a:rPr lang="en-US" sz="4800" spc="-1" dirty="0">
-                <a:solidFill>
-                  <a:srgbClr val="800418"/>
-                </a:solidFill>
-                <a:latin typeface="Calibri"/>
-              </a:rPr>
-              <a:t>	F1 micro – 77.3%</a:t>
+              <a:t>F1 micro – 77.3%</a:t>
             </a:r>
             <a:endParaRPr lang="en-US" sz="4800" spc="-1" dirty="0">
               <a:latin typeface="Arial"/>
@@ -11725,7 +12088,7 @@
               </a:lnSpc>
             </a:pPr>
             <a:r>
-              <a:rPr lang="en-US" sz="4800" spc="-1" dirty="0">
+              <a:rPr lang="en-US" sz="4800" b="1" spc="-1" dirty="0">
                 <a:solidFill>
                   <a:srgbClr val="800418"/>
                 </a:solidFill>
@@ -11733,7 +12096,7 @@
               </a:rPr>
               <a:t>BERT Model</a:t>
             </a:r>
-            <a:endParaRPr lang="en-US" sz="4800" spc="-1" dirty="0">
+            <a:endParaRPr lang="en-US" sz="4800" b="1" spc="-1" dirty="0">
               <a:latin typeface="Arial"/>
             </a:endParaRPr>
           </a:p>
@@ -11752,16 +12115,12 @@
               </a:rPr>
               <a:t>- F1 macro – 73%</a:t>
             </a:r>
-            <a:endParaRPr lang="en-US" sz="4800" spc="-1" dirty="0">
-              <a:latin typeface="Arial"/>
-            </a:endParaRPr>
-          </a:p>
-          <a:p>
-            <a:pPr>
-              <a:lnSpc>
-                <a:spcPct val="100000"/>
-              </a:lnSpc>
-            </a:pPr>
+            <a:r>
+              <a:rPr lang="en-US" sz="4800" spc="-1" dirty="0">
+                <a:latin typeface="Arial"/>
+              </a:rPr>
+              <a:t>			</a:t>
+            </a:r>
             <a:r>
               <a:rPr lang="en-US" sz="4800" spc="-1" dirty="0">
                 <a:solidFill>
@@ -11769,7 +12128,7 @@
                 </a:solidFill>
                 <a:latin typeface="Calibri"/>
               </a:rPr>
-              <a:t>- F1 micro – 80.23%</a:t>
+              <a:t>F1 micro – 80.23%</a:t>
             </a:r>
             <a:endParaRPr lang="en-US" sz="4800" spc="-1" dirty="0">
               <a:latin typeface="Arial"/>
@@ -11792,7 +12151,7 @@
               </a:lnSpc>
             </a:pPr>
             <a:r>
-              <a:rPr lang="en-US" sz="4800" spc="-1" dirty="0">
+              <a:rPr lang="en-US" sz="4800" b="1" spc="-1" dirty="0">
                 <a:solidFill>
                   <a:srgbClr val="800418"/>
                 </a:solidFill>
@@ -11800,7 +12159,7 @@
               </a:rPr>
               <a:t>BERT Ensemble Model</a:t>
             </a:r>
-            <a:endParaRPr lang="en-US" sz="4800" spc="-1" dirty="0">
+            <a:endParaRPr lang="en-US" sz="4800" b="1" spc="-1" dirty="0">
               <a:latin typeface="Arial"/>
             </a:endParaRPr>
           </a:p>
@@ -11811,7 +12170,7 @@
               </a:lnSpc>
             </a:pPr>
             <a:r>
-              <a:rPr lang="en-US" sz="4800" spc="-1" dirty="0">
+              <a:rPr lang="en-US" sz="4800" b="1" spc="-1" dirty="0">
                 <a:solidFill>
                   <a:srgbClr val="800418"/>
                 </a:solidFill>
@@ -11819,24 +12178,20 @@
               </a:rPr>
               <a:t>- F1 macro – 74.6%</a:t>
             </a:r>
-            <a:endParaRPr lang="en-US" sz="4800" spc="-1" dirty="0">
-              <a:latin typeface="Arial"/>
-            </a:endParaRPr>
-          </a:p>
-          <a:p>
-            <a:pPr>
-              <a:lnSpc>
-                <a:spcPct val="100000"/>
-              </a:lnSpc>
-            </a:pPr>
-            <a:r>
-              <a:rPr lang="en-US" sz="4800" spc="-1" dirty="0">
+            <a:r>
+              <a:rPr lang="en-US" sz="4800" b="1" spc="-1" dirty="0">
+                <a:latin typeface="Arial"/>
+              </a:rPr>
+              <a:t>		</a:t>
+            </a:r>
+            <a:r>
+              <a:rPr lang="en-US" sz="4800" b="1" spc="-1" dirty="0">
                 <a:solidFill>
                   <a:srgbClr val="800418"/>
                 </a:solidFill>
                 <a:latin typeface="Calibri"/>
               </a:rPr>
-              <a:t>- F1 micro – 81.7%</a:t>
+              <a:t>F1 micro – 81.7%</a:t>
             </a:r>
             <a:br>
               <a:rPr lang="en-US" sz="4800" dirty="0"/>
@@ -11858,7 +12213,7 @@
                 </a:solidFill>
                 <a:latin typeface="Calibri"/>
               </a:rPr>
-              <a:t>Ranked = 40</a:t>
+              <a:t>		 	Ranked = 40</a:t>
             </a:r>
             <a:r>
               <a:rPr lang="en-US" sz="4800" spc="-1" baseline="101000" dirty="0">
@@ -11907,7 +12262,7 @@
         </p:nvSpPr>
         <p:spPr>
           <a:xfrm>
-            <a:off x="730706" y="25578908"/>
+            <a:off x="644305" y="21158847"/>
             <a:ext cx="11611510" cy="4670856"/>
           </a:xfrm>
           <a:prstGeom prst="rect">
@@ -11953,7 +12308,7 @@
         </p:nvSpPr>
         <p:spPr bwMode="auto">
           <a:xfrm>
-            <a:off x="1264357" y="25762559"/>
+            <a:off x="1202742" y="21650327"/>
             <a:ext cx="10667435" cy="4524309"/>
           </a:xfrm>
           <a:prstGeom prst="rect">
@@ -12155,7 +12510,7 @@
         </p:nvSpPr>
         <p:spPr bwMode="auto">
           <a:xfrm>
-            <a:off x="730705" y="24676983"/>
+            <a:off x="644306" y="20421897"/>
             <a:ext cx="11611511" cy="923324"/>
           </a:xfrm>
           <a:prstGeom prst="rect">
@@ -12467,8 +12822,8 @@
         </p:nvSpPr>
         <p:spPr bwMode="auto">
           <a:xfrm>
-            <a:off x="13370143" y="5015674"/>
-            <a:ext cx="14976255" cy="923324"/>
+            <a:off x="13370142" y="5015673"/>
+            <a:ext cx="13956867" cy="923324"/>
           </a:xfrm>
           <a:prstGeom prst="rect">
             <a:avLst/>
@@ -12604,8 +12959,8 @@
         </p:nvSpPr>
         <p:spPr bwMode="auto">
           <a:xfrm>
-            <a:off x="29619582" y="5037629"/>
-            <a:ext cx="11611510" cy="939028"/>
+            <a:off x="27974494" y="5039599"/>
+            <a:ext cx="13256598" cy="921354"/>
           </a:xfrm>
           <a:prstGeom prst="rect">
             <a:avLst/>
@@ -12728,102 +13083,6 @@
               </a:rPr>
               <a:t>Error Analysis</a:t>
             </a:r>
-          </a:p>
-        </p:txBody>
-      </p:sp>
-      <p:sp>
-        <p:nvSpPr>
-          <p:cNvPr id="39" name="TextBox 38"/>
-          <p:cNvSpPr txBox="1"/>
-          <p:nvPr/>
-        </p:nvSpPr>
-        <p:spPr>
-          <a:xfrm>
-            <a:off x="720743" y="30959928"/>
-            <a:ext cx="13320323" cy="1200329"/>
-          </a:xfrm>
-          <a:prstGeom prst="rect">
-            <a:avLst/>
-          </a:prstGeom>
-          <a:noFill/>
-        </p:spPr>
-        <p:txBody>
-          <a:bodyPr wrap="square" rtlCol="0">
-            <a:spAutoFit/>
-          </a:bodyPr>
-          <a:lstStyle/>
-          <a:p>
-            <a:r>
-              <a:rPr lang="en-US" sz="7200" dirty="0">
-                <a:solidFill>
-                  <a:schemeClr val="accent2">
-                    <a:lumMod val="50000"/>
-                  </a:schemeClr>
-                </a:solidFill>
-                <a:latin typeface="Friz Quadrata TT" panose="00000400000000000000" pitchFamily="2" charset="0"/>
-                <a:cs typeface="Calibri"/>
-              </a:rPr>
-              <a:t>UAccess </a:t>
-            </a:r>
-            <a:r>
-              <a:rPr lang="en-US" sz="7200" cap="small" dirty="0">
-                <a:solidFill>
-                  <a:schemeClr val="accent2">
-                    <a:lumMod val="50000"/>
-                  </a:schemeClr>
-                </a:solidFill>
-                <a:latin typeface="Friz Quadrata TT" panose="00000400000000000000" pitchFamily="2" charset="0"/>
-                <a:cs typeface="Calibri"/>
-              </a:rPr>
-              <a:t>Symposium</a:t>
-            </a:r>
-          </a:p>
-        </p:txBody>
-      </p:sp>
-      <p:sp>
-        <p:nvSpPr>
-          <p:cNvPr id="40" name="TextBox 39"/>
-          <p:cNvSpPr txBox="1"/>
-          <p:nvPr/>
-        </p:nvSpPr>
-        <p:spPr>
-          <a:xfrm>
-            <a:off x="27910769" y="30959929"/>
-            <a:ext cx="13320323" cy="1107996"/>
-          </a:xfrm>
-          <a:prstGeom prst="rect">
-            <a:avLst/>
-          </a:prstGeom>
-          <a:noFill/>
-        </p:spPr>
-        <p:txBody>
-          <a:bodyPr wrap="square" rtlCol="0">
-            <a:spAutoFit/>
-          </a:bodyPr>
-          <a:lstStyle/>
-          <a:p>
-            <a:pPr algn="r"/>
-            <a:r>
-              <a:rPr lang="en-US" sz="6600" dirty="0">
-                <a:solidFill>
-                  <a:schemeClr val="accent2">
-                    <a:lumMod val="50000"/>
-                  </a:schemeClr>
-                </a:solidFill>
-                <a:latin typeface="Friz Quadrata TT" panose="00000400000000000000" pitchFamily="2" charset="0"/>
-                <a:cs typeface="Calibri"/>
-              </a:rPr>
-              <a:t>Department Acronym</a:t>
-            </a:r>
-            <a:endParaRPr lang="en-US" sz="6600" cap="small" dirty="0">
-              <a:solidFill>
-                <a:schemeClr val="accent2">
-                  <a:lumMod val="50000"/>
-                </a:schemeClr>
-              </a:solidFill>
-              <a:latin typeface="Friz Quadrata TT" panose="00000400000000000000" pitchFamily="2" charset="0"/>
-              <a:cs typeface="Calibri"/>
-            </a:endParaRPr>
           </a:p>
         </p:txBody>
       </p:sp>
@@ -12857,6 +13116,477 @@
           </a:prstGeom>
         </p:spPr>
       </p:pic>
+      <p:sp>
+        <p:nvSpPr>
+          <p:cNvPr id="33" name="Rectangle 32">
+            <a:extLst>
+              <a:ext uri="{FF2B5EF4-FFF2-40B4-BE49-F238E27FC236}">
+                <a16:creationId xmlns:a16="http://schemas.microsoft.com/office/drawing/2014/main" id="{CF92D1D9-FE9D-4D92-8438-12A0E03CEDD4}"/>
+              </a:ext>
+            </a:extLst>
+          </p:cNvPr>
+          <p:cNvSpPr/>
+          <p:nvPr/>
+        </p:nvSpPr>
+        <p:spPr>
+          <a:xfrm>
+            <a:off x="13449571" y="17905643"/>
+            <a:ext cx="13877439" cy="10937794"/>
+          </a:xfrm>
+          <a:prstGeom prst="rect">
+            <a:avLst/>
+          </a:prstGeom>
+          <a:solidFill>
+            <a:schemeClr val="accent1"/>
+          </a:solidFill>
+          <a:ln>
+            <a:noFill/>
+          </a:ln>
+        </p:spPr>
+        <p:style>
+          <a:lnRef idx="1">
+            <a:schemeClr val="accent1"/>
+          </a:lnRef>
+          <a:fillRef idx="3">
+            <a:schemeClr val="accent1"/>
+          </a:fillRef>
+          <a:effectRef idx="2">
+            <a:schemeClr val="accent1"/>
+          </a:effectRef>
+          <a:fontRef idx="minor">
+            <a:schemeClr val="lt1"/>
+          </a:fontRef>
+        </p:style>
+        <p:txBody>
+          <a:bodyPr rtlCol="0" anchor="ctr"/>
+          <a:lstStyle/>
+          <a:p>
+            <a:pPr algn="ctr"/>
+            <a:endParaRPr lang="en-US"/>
+          </a:p>
+        </p:txBody>
+      </p:sp>
+      <p:sp>
+        <p:nvSpPr>
+          <p:cNvPr id="34" name="Text Box 158">
+            <a:extLst>
+              <a:ext uri="{FF2B5EF4-FFF2-40B4-BE49-F238E27FC236}">
+                <a16:creationId xmlns:a16="http://schemas.microsoft.com/office/drawing/2014/main" id="{6725FE08-4E82-435C-9B36-6ED86F3A2AF6}"/>
+              </a:ext>
+            </a:extLst>
+          </p:cNvPr>
+          <p:cNvSpPr txBox="1">
+            <a:spLocks noChangeArrowheads="1"/>
+          </p:cNvSpPr>
+          <p:nvPr/>
+        </p:nvSpPr>
+        <p:spPr bwMode="auto">
+          <a:xfrm>
+            <a:off x="13584326" y="18231443"/>
+            <a:ext cx="13256598" cy="11172283"/>
+          </a:xfrm>
+          <a:prstGeom prst="rect">
+            <a:avLst/>
+          </a:prstGeom>
+          <a:noFill/>
+          <a:ln>
+            <a:noFill/>
+          </a:ln>
+          <a:effectLst/>
+        </p:spPr>
+        <p:txBody>
+          <a:bodyPr wrap="square" lIns="91435" tIns="45717" rIns="91435" bIns="45717">
+            <a:spAutoFit/>
+          </a:bodyPr>
+          <a:lstStyle>
+            <a:lvl1pPr eaLnBrk="0" hangingPunct="0">
+              <a:defRPr sz="2400">
+                <a:solidFill>
+                  <a:schemeClr val="tx1"/>
+                </a:solidFill>
+                <a:latin typeface="Helvetica" pitchFamily="34" charset="0"/>
+              </a:defRPr>
+            </a:lvl1pPr>
+            <a:lvl2pPr marL="742950" indent="-285750" eaLnBrk="0" hangingPunct="0">
+              <a:defRPr sz="2400">
+                <a:solidFill>
+                  <a:schemeClr val="tx1"/>
+                </a:solidFill>
+                <a:latin typeface="Helvetica" pitchFamily="34" charset="0"/>
+              </a:defRPr>
+            </a:lvl2pPr>
+            <a:lvl3pPr marL="1143000" indent="-228600" eaLnBrk="0" hangingPunct="0">
+              <a:defRPr sz="2400">
+                <a:solidFill>
+                  <a:schemeClr val="tx1"/>
+                </a:solidFill>
+                <a:latin typeface="Helvetica" pitchFamily="34" charset="0"/>
+              </a:defRPr>
+            </a:lvl3pPr>
+            <a:lvl4pPr marL="1600200" indent="-228600" eaLnBrk="0" hangingPunct="0">
+              <a:defRPr sz="2400">
+                <a:solidFill>
+                  <a:schemeClr val="tx1"/>
+                </a:solidFill>
+                <a:latin typeface="Helvetica" pitchFamily="34" charset="0"/>
+              </a:defRPr>
+            </a:lvl4pPr>
+            <a:lvl5pPr marL="2057400" indent="-228600" eaLnBrk="0" hangingPunct="0">
+              <a:defRPr sz="2400">
+                <a:solidFill>
+                  <a:schemeClr val="tx1"/>
+                </a:solidFill>
+                <a:latin typeface="Helvetica" pitchFamily="34" charset="0"/>
+              </a:defRPr>
+            </a:lvl5pPr>
+            <a:lvl6pPr marL="2514600" indent="-228600" eaLnBrk="0" fontAlgn="base" hangingPunct="0">
+              <a:spcBef>
+                <a:spcPct val="0"/>
+              </a:spcBef>
+              <a:spcAft>
+                <a:spcPct val="0"/>
+              </a:spcAft>
+              <a:defRPr sz="2400">
+                <a:solidFill>
+                  <a:schemeClr val="tx1"/>
+                </a:solidFill>
+                <a:latin typeface="Helvetica" pitchFamily="34" charset="0"/>
+              </a:defRPr>
+            </a:lvl6pPr>
+            <a:lvl7pPr marL="2971800" indent="-228600" eaLnBrk="0" fontAlgn="base" hangingPunct="0">
+              <a:spcBef>
+                <a:spcPct val="0"/>
+              </a:spcBef>
+              <a:spcAft>
+                <a:spcPct val="0"/>
+              </a:spcAft>
+              <a:defRPr sz="2400">
+                <a:solidFill>
+                  <a:schemeClr val="tx1"/>
+                </a:solidFill>
+                <a:latin typeface="Helvetica" pitchFamily="34" charset="0"/>
+              </a:defRPr>
+            </a:lvl7pPr>
+            <a:lvl8pPr marL="3429000" indent="-228600" eaLnBrk="0" fontAlgn="base" hangingPunct="0">
+              <a:spcBef>
+                <a:spcPct val="0"/>
+              </a:spcBef>
+              <a:spcAft>
+                <a:spcPct val="0"/>
+              </a:spcAft>
+              <a:defRPr sz="2400">
+                <a:solidFill>
+                  <a:schemeClr val="tx1"/>
+                </a:solidFill>
+                <a:latin typeface="Helvetica" pitchFamily="34" charset="0"/>
+              </a:defRPr>
+            </a:lvl8pPr>
+            <a:lvl9pPr marL="3886200" indent="-228600" eaLnBrk="0" fontAlgn="base" hangingPunct="0">
+              <a:spcBef>
+                <a:spcPct val="0"/>
+              </a:spcBef>
+              <a:spcAft>
+                <a:spcPct val="0"/>
+              </a:spcAft>
+              <a:defRPr sz="2400">
+                <a:solidFill>
+                  <a:schemeClr val="tx1"/>
+                </a:solidFill>
+                <a:latin typeface="Helvetica" pitchFamily="34" charset="0"/>
+              </a:defRPr>
+            </a:lvl9pPr>
+          </a:lstStyle>
+          <a:p>
+            <a:pPr marL="685800" lvl="0" indent="-685800" eaLnBrk="1" hangingPunct="1">
+              <a:buFontTx/>
+              <a:buChar char="-"/>
+            </a:pPr>
+            <a:r>
+              <a:rPr lang="en-US" sz="4800" b="1" dirty="0">
+                <a:solidFill>
+                  <a:schemeClr val="accent2">
+                    <a:lumMod val="75000"/>
+                  </a:schemeClr>
+                </a:solidFill>
+                <a:latin typeface="Calibri"/>
+              </a:rPr>
+              <a:t>BERT and Unigram Model is correct, Char-7gram Model is wrong: </a:t>
+            </a:r>
+            <a:br>
+              <a:rPr lang="en-US" sz="4800" b="1" dirty="0">
+                <a:solidFill>
+                  <a:schemeClr val="accent2">
+                    <a:lumMod val="75000"/>
+                  </a:schemeClr>
+                </a:solidFill>
+                <a:latin typeface="Calibri"/>
+              </a:rPr>
+            </a:br>
+            <a:r>
+              <a:rPr lang="en-US" sz="4800" b="1" dirty="0">
+                <a:solidFill>
+                  <a:schemeClr val="accent2">
+                    <a:lumMod val="75000"/>
+                  </a:schemeClr>
+                </a:solidFill>
+                <a:latin typeface="Calibri"/>
+              </a:rPr>
+              <a:t>“</a:t>
+            </a:r>
+            <a:r>
+              <a:rPr lang="en-US" sz="4800" dirty="0">
+                <a:solidFill>
+                  <a:schemeClr val="accent2">
+                    <a:lumMod val="75000"/>
+                  </a:schemeClr>
+                </a:solidFill>
+                <a:latin typeface="Calibri"/>
+              </a:rPr>
+              <a:t>Sometimes my brain hits upon a thought or impression and it *ding*s back, ringing true like crystal“ – Char model is thrown off by offensive word patterns. The Gold Label is NOT OFFENSIVE.</a:t>
+            </a:r>
+          </a:p>
+          <a:p>
+            <a:pPr marL="685800" lvl="0" indent="-685800" eaLnBrk="1" hangingPunct="1">
+              <a:buFontTx/>
+              <a:buChar char="-"/>
+            </a:pPr>
+            <a:endParaRPr lang="en-US" sz="4800" dirty="0">
+              <a:solidFill>
+                <a:schemeClr val="accent2">
+                  <a:lumMod val="75000"/>
+                </a:schemeClr>
+              </a:solidFill>
+              <a:latin typeface="Calibri"/>
+            </a:endParaRPr>
+          </a:p>
+          <a:p>
+            <a:pPr marL="685800" lvl="0" indent="-685800" eaLnBrk="1" hangingPunct="1">
+              <a:buFontTx/>
+              <a:buChar char="-"/>
+            </a:pPr>
+            <a:r>
+              <a:rPr lang="en-US" sz="4800" b="1" dirty="0">
+                <a:solidFill>
+                  <a:schemeClr val="accent2">
+                    <a:lumMod val="75000"/>
+                  </a:schemeClr>
+                </a:solidFill>
+                <a:latin typeface="Calibri"/>
+              </a:rPr>
+              <a:t>Unigram Model is wrong, BERT and Char-7gram Model is correct:</a:t>
+            </a:r>
+            <a:r>
+              <a:rPr lang="en-US" sz="4800" dirty="0">
+                <a:solidFill>
+                  <a:schemeClr val="accent2">
+                    <a:lumMod val="75000"/>
+                  </a:schemeClr>
+                </a:solidFill>
+                <a:latin typeface="Calibri"/>
+              </a:rPr>
+              <a:t> </a:t>
+            </a:r>
+            <a:br>
+              <a:rPr lang="en-US" sz="4800" b="1" dirty="0">
+                <a:solidFill>
+                  <a:schemeClr val="accent2">
+                    <a:lumMod val="75000"/>
+                  </a:schemeClr>
+                </a:solidFill>
+                <a:latin typeface="Calibri"/>
+              </a:rPr>
+            </a:br>
+            <a:r>
+              <a:rPr lang="en-US" sz="4800" b="1" dirty="0">
+                <a:solidFill>
+                  <a:schemeClr val="accent2">
+                    <a:lumMod val="75000"/>
+                  </a:schemeClr>
+                </a:solidFill>
+                <a:latin typeface="Calibri"/>
+              </a:rPr>
+              <a:t>“</a:t>
+            </a:r>
+            <a:r>
+              <a:rPr lang="en-US" sz="4800" dirty="0">
+                <a:solidFill>
+                  <a:schemeClr val="accent2">
+                    <a:lumMod val="75000"/>
+                  </a:schemeClr>
+                </a:solidFill>
+                <a:latin typeface="Calibri"/>
+              </a:rPr>
+              <a:t>Yeah thanks to your Nobel Emmy award winning idiot chief flip flopping on everything from Iran to gun control” – Unigram model is thrown off by offensive words. The Gold label is OFFENSIVE.</a:t>
+            </a:r>
+          </a:p>
+          <a:p>
+            <a:pPr>
+              <a:lnSpc>
+                <a:spcPct val="100000"/>
+              </a:lnSpc>
+            </a:pPr>
+            <a:endParaRPr lang="en-US" sz="4800" spc="-1" dirty="0">
+              <a:latin typeface="Arial"/>
+            </a:endParaRPr>
+          </a:p>
+          <a:p>
+            <a:pPr lvl="0" eaLnBrk="1" hangingPunct="1">
+              <a:defRPr/>
+            </a:pPr>
+            <a:endParaRPr lang="en-US" sz="4800" dirty="0">
+              <a:solidFill>
+                <a:schemeClr val="accent2">
+                  <a:lumMod val="75000"/>
+                </a:schemeClr>
+              </a:solidFill>
+              <a:latin typeface="Arial Narrow" pitchFamily="34" charset="0"/>
+            </a:endParaRPr>
+          </a:p>
+        </p:txBody>
+      </p:sp>
+      <p:sp>
+        <p:nvSpPr>
+          <p:cNvPr id="36" name="Text Box 161">
+            <a:extLst>
+              <a:ext uri="{FF2B5EF4-FFF2-40B4-BE49-F238E27FC236}">
+                <a16:creationId xmlns:a16="http://schemas.microsoft.com/office/drawing/2014/main" id="{065C8230-AA1E-4324-99CB-6E97354632ED}"/>
+              </a:ext>
+            </a:extLst>
+          </p:cNvPr>
+          <p:cNvSpPr txBox="1">
+            <a:spLocks noChangeArrowheads="1"/>
+          </p:cNvSpPr>
+          <p:nvPr/>
+        </p:nvSpPr>
+        <p:spPr bwMode="auto">
+          <a:xfrm>
+            <a:off x="13457229" y="16940533"/>
+            <a:ext cx="13869781" cy="923324"/>
+          </a:xfrm>
+          <a:prstGeom prst="rect">
+            <a:avLst/>
+          </a:prstGeom>
+          <a:solidFill>
+            <a:srgbClr val="C44E62"/>
+          </a:solidFill>
+          <a:ln>
+            <a:noFill/>
+          </a:ln>
+          <a:effectLst/>
+        </p:spPr>
+        <p:txBody>
+          <a:bodyPr wrap="square" lIns="91435" tIns="45717" rIns="91435" bIns="45717">
+            <a:spAutoFit/>
+          </a:bodyPr>
+          <a:lstStyle>
+            <a:lvl1pPr eaLnBrk="0" hangingPunct="0">
+              <a:defRPr sz="2400">
+                <a:solidFill>
+                  <a:schemeClr val="tx1"/>
+                </a:solidFill>
+                <a:latin typeface="Helvetica" pitchFamily="34" charset="0"/>
+              </a:defRPr>
+            </a:lvl1pPr>
+            <a:lvl2pPr marL="742950" indent="-285750" eaLnBrk="0" hangingPunct="0">
+              <a:defRPr sz="2400">
+                <a:solidFill>
+                  <a:schemeClr val="tx1"/>
+                </a:solidFill>
+                <a:latin typeface="Helvetica" pitchFamily="34" charset="0"/>
+              </a:defRPr>
+            </a:lvl2pPr>
+            <a:lvl3pPr marL="1143000" indent="-228600" eaLnBrk="0" hangingPunct="0">
+              <a:defRPr sz="2400">
+                <a:solidFill>
+                  <a:schemeClr val="tx1"/>
+                </a:solidFill>
+                <a:latin typeface="Helvetica" pitchFamily="34" charset="0"/>
+              </a:defRPr>
+            </a:lvl3pPr>
+            <a:lvl4pPr marL="1600200" indent="-228600" eaLnBrk="0" hangingPunct="0">
+              <a:defRPr sz="2400">
+                <a:solidFill>
+                  <a:schemeClr val="tx1"/>
+                </a:solidFill>
+                <a:latin typeface="Helvetica" pitchFamily="34" charset="0"/>
+              </a:defRPr>
+            </a:lvl4pPr>
+            <a:lvl5pPr marL="2057400" indent="-228600" eaLnBrk="0" hangingPunct="0">
+              <a:defRPr sz="2400">
+                <a:solidFill>
+                  <a:schemeClr val="tx1"/>
+                </a:solidFill>
+                <a:latin typeface="Helvetica" pitchFamily="34" charset="0"/>
+              </a:defRPr>
+            </a:lvl5pPr>
+            <a:lvl6pPr marL="2514600" indent="-228600" eaLnBrk="0" fontAlgn="base" hangingPunct="0">
+              <a:spcBef>
+                <a:spcPct val="0"/>
+              </a:spcBef>
+              <a:spcAft>
+                <a:spcPct val="0"/>
+              </a:spcAft>
+              <a:defRPr sz="2400">
+                <a:solidFill>
+                  <a:schemeClr val="tx1"/>
+                </a:solidFill>
+                <a:latin typeface="Helvetica" pitchFamily="34" charset="0"/>
+              </a:defRPr>
+            </a:lvl6pPr>
+            <a:lvl7pPr marL="2971800" indent="-228600" eaLnBrk="0" fontAlgn="base" hangingPunct="0">
+              <a:spcBef>
+                <a:spcPct val="0"/>
+              </a:spcBef>
+              <a:spcAft>
+                <a:spcPct val="0"/>
+              </a:spcAft>
+              <a:defRPr sz="2400">
+                <a:solidFill>
+                  <a:schemeClr val="tx1"/>
+                </a:solidFill>
+                <a:latin typeface="Helvetica" pitchFamily="34" charset="0"/>
+              </a:defRPr>
+            </a:lvl7pPr>
+            <a:lvl8pPr marL="3429000" indent="-228600" eaLnBrk="0" fontAlgn="base" hangingPunct="0">
+              <a:spcBef>
+                <a:spcPct val="0"/>
+              </a:spcBef>
+              <a:spcAft>
+                <a:spcPct val="0"/>
+              </a:spcAft>
+              <a:defRPr sz="2400">
+                <a:solidFill>
+                  <a:schemeClr val="tx1"/>
+                </a:solidFill>
+                <a:latin typeface="Helvetica" pitchFamily="34" charset="0"/>
+              </a:defRPr>
+            </a:lvl8pPr>
+            <a:lvl9pPr marL="3886200" indent="-228600" eaLnBrk="0" fontAlgn="base" hangingPunct="0">
+              <a:spcBef>
+                <a:spcPct val="0"/>
+              </a:spcBef>
+              <a:spcAft>
+                <a:spcPct val="0"/>
+              </a:spcAft>
+              <a:defRPr sz="2400">
+                <a:solidFill>
+                  <a:schemeClr val="tx1"/>
+                </a:solidFill>
+                <a:latin typeface="Helvetica" pitchFamily="34" charset="0"/>
+              </a:defRPr>
+            </a:lvl9pPr>
+          </a:lstStyle>
+          <a:p>
+            <a:pPr algn="ctr" eaLnBrk="1" hangingPunct="1"/>
+            <a:r>
+              <a:rPr lang="en-US" sz="5400" b="1" dirty="0">
+                <a:latin typeface="+mj-lt"/>
+              </a:rPr>
+              <a:t>Examples where Ensemble works</a:t>
+            </a:r>
+          </a:p>
+        </p:txBody>
+      </p:sp>
     </p:spTree>
     <p:extLst>
       <p:ext uri="{BB962C8B-B14F-4D97-AF65-F5344CB8AC3E}">

--- a/demo/offenseval-poster.pptx
+++ b/demo/offenseval-poster.pptx
@@ -4074,7 +4074,7 @@
             <a:fld id="{2233D26B-DFC2-4248-8ED0-AD3E108CBDD7}" type="datetime1">
               <a:rPr lang="en-US" smtClean="0"/>
               <a:pPr/>
-              <a:t>4/24/2019</a:t>
+              <a:t>4/26/2019</a:t>
             </a:fld>
             <a:endParaRPr lang="en-US"/>
           </a:p>
@@ -4240,7 +4240,7 @@
             <a:fld id="{8F97F932-D99A-4087-BFB1-EA42FAFC8D2C}" type="datetime1">
               <a:rPr lang="en-US" smtClean="0"/>
               <a:pPr/>
-              <a:t>4/24/2019</a:t>
+              <a:t>4/26/2019</a:t>
             </a:fld>
             <a:endParaRPr lang="en-US"/>
           </a:p>
@@ -4480,7 +4480,7 @@
             <a:fld id="{79C96367-2F2B-4F6E-ACF4-15FA13738E10}" type="datetime1">
               <a:rPr lang="en-US" smtClean="0"/>
               <a:pPr/>
-              <a:t>4/24/2019</a:t>
+              <a:t>4/26/2019</a:t>
             </a:fld>
             <a:endParaRPr lang="en-US"/>
           </a:p>
@@ -4572,7 +4572,7 @@
             <a:fld id="{8FB3498D-21C7-408B-8EF5-5B55DEF0BFD5}" type="datetime1">
               <a:rPr lang="en-US" smtClean="0"/>
               <a:pPr/>
-              <a:t>4/24/2019</a:t>
+              <a:t>4/26/2019</a:t>
             </a:fld>
             <a:endParaRPr lang="en-US"/>
           </a:p>
@@ -4945,7 +4945,7 @@
             <a:fld id="{84DB246E-8FD1-42FF-94A4-E4133095C37A}" type="datetime1">
               <a:rPr lang="en-US" smtClean="0"/>
               <a:pPr/>
-              <a:t>4/24/2019</a:t>
+              <a:t>4/26/2019</a:t>
             </a:fld>
             <a:endParaRPr lang="en-US"/>
           </a:p>
@@ -5201,7 +5201,7 @@
             <a:fld id="{A93939D4-B818-4372-B1EE-7CB6D5BBC74A}" type="datetime1">
               <a:rPr lang="en-US" smtClean="0"/>
               <a:pPr/>
-              <a:t>4/24/2019</a:t>
+              <a:t>4/26/2019</a:t>
             </a:fld>
             <a:endParaRPr lang="en-US"/>
           </a:p>
@@ -5522,7 +5522,7 @@
             <a:fld id="{2F35E438-4D0D-4834-B658-A90420491D98}" type="datetime1">
               <a:rPr lang="en-US" smtClean="0"/>
               <a:pPr/>
-              <a:t>4/24/2019</a:t>
+              <a:t>4/26/2019</a:t>
             </a:fld>
             <a:endParaRPr lang="en-US"/>
           </a:p>
@@ -5798,7 +5798,7 @@
             <a:fld id="{76F8ADFA-7142-4015-85E6-1712F15FA709}" type="datetime1">
               <a:rPr lang="en-US" smtClean="0"/>
               <a:pPr/>
-              <a:t>4/24/2019</a:t>
+              <a:t>4/26/2019</a:t>
             </a:fld>
             <a:endParaRPr lang="en-US"/>
           </a:p>
@@ -6072,7 +6072,7 @@
             <a:fld id="{34A581E0-D653-4D78-A48F-41D80498BC7E}" type="datetime1">
               <a:rPr lang="en-US" smtClean="0"/>
               <a:pPr/>
-              <a:t>4/24/2019</a:t>
+              <a:t>4/26/2019</a:t>
             </a:fld>
             <a:endParaRPr lang="en-US"/>
           </a:p>
@@ -6237,7 +6237,7 @@
             <a:fld id="{E694C003-38E8-486A-9BFD-47E55D87241C}" type="datetime1">
               <a:rPr lang="en-US" smtClean="0"/>
               <a:pPr/>
-              <a:t>4/24/2019</a:t>
+              <a:t>4/26/2019</a:t>
             </a:fld>
             <a:endParaRPr lang="en-US"/>
           </a:p>
@@ -6412,7 +6412,7 @@
             <a:fld id="{E059EAA3-934B-41DB-B3B1-806F4BE5CC37}" type="datetime1">
               <a:rPr lang="en-US" smtClean="0"/>
               <a:pPr/>
-              <a:t>4/24/2019</a:t>
+              <a:t>4/26/2019</a:t>
             </a:fld>
             <a:endParaRPr lang="en-US"/>
           </a:p>
@@ -9624,7 +9624,7 @@
             <a:fld id="{DA47DADC-55EA-4839-91C8-5BCC0EC06F5C}" type="datetime1">
               <a:rPr lang="en-US" smtClean="0"/>
               <a:pPr/>
-              <a:t>4/24/2019</a:t>
+              <a:t>4/26/2019</a:t>
             </a:fld>
             <a:endParaRPr lang="en-US" dirty="0"/>
           </a:p>
@@ -10756,7 +10756,7 @@
         <p:spPr bwMode="auto">
           <a:xfrm>
             <a:off x="28460580" y="6324294"/>
-            <a:ext cx="12275409" cy="18558921"/>
+            <a:ext cx="12275409" cy="26684222"/>
           </a:xfrm>
           <a:prstGeom prst="rect">
             <a:avLst/>
@@ -11034,7 +11034,262 @@
                 </a:solidFill>
                 <a:latin typeface="Calibri"/>
               </a:rPr>
-              <a:t>: “Calm the fuck down”, “required with old ass games”, “the gay community does everything” BERT works well in these cases.</a:t>
+              <a:t>: “Calm the fuck down”, “required with old ass games”, “the gay community does everything” BERT works well here.</a:t>
+            </a:r>
+            <a:br>
+              <a:rPr lang="en-US" sz="4800" dirty="0">
+                <a:solidFill>
+                  <a:schemeClr val="accent2">
+                    <a:lumMod val="75000"/>
+                  </a:schemeClr>
+                </a:solidFill>
+                <a:latin typeface="Calibri"/>
+              </a:rPr>
+            </a:br>
+            <a:endParaRPr lang="en-US" sz="4800" dirty="0">
+              <a:solidFill>
+                <a:schemeClr val="accent2">
+                  <a:lumMod val="75000"/>
+                </a:schemeClr>
+              </a:solidFill>
+              <a:latin typeface="Calibri"/>
+            </a:endParaRPr>
+          </a:p>
+          <a:p>
+            <a:pPr marL="685800" indent="-685800" eaLnBrk="1" hangingPunct="1">
+              <a:buFontTx/>
+              <a:buChar char="-"/>
+            </a:pPr>
+            <a:r>
+              <a:rPr lang="en-US" sz="4800" b="1" dirty="0">
+                <a:solidFill>
+                  <a:schemeClr val="accent2">
+                    <a:lumMod val="75000"/>
+                  </a:schemeClr>
+                </a:solidFill>
+                <a:latin typeface="Calibri"/>
+              </a:rPr>
+              <a:t>Problems with Character Model:</a:t>
+            </a:r>
+            <a:br>
+              <a:rPr lang="en-US" sz="4800" dirty="0">
+                <a:solidFill>
+                  <a:schemeClr val="accent2">
+                    <a:lumMod val="75000"/>
+                  </a:schemeClr>
+                </a:solidFill>
+                <a:latin typeface="Calibri"/>
+              </a:rPr>
+            </a:br>
+            <a:r>
+              <a:rPr lang="en-US" sz="4800" b="1" dirty="0">
+                <a:solidFill>
+                  <a:schemeClr val="accent2">
+                    <a:lumMod val="75000"/>
+                  </a:schemeClr>
+                </a:solidFill>
+                <a:latin typeface="Calibri"/>
+              </a:rPr>
+              <a:t>1) </a:t>
+            </a:r>
+            <a:r>
+              <a:rPr lang="en-US" sz="4800" dirty="0">
+                <a:solidFill>
+                  <a:schemeClr val="accent2">
+                    <a:lumMod val="75000"/>
+                  </a:schemeClr>
+                </a:solidFill>
+                <a:latin typeface="Calibri"/>
+              </a:rPr>
+              <a:t>Frequently thrown off by user names having offensive words, @</a:t>
+            </a:r>
+            <a:r>
+              <a:rPr lang="en-US" sz="4800" dirty="0" err="1">
+                <a:solidFill>
+                  <a:schemeClr val="accent2">
+                    <a:lumMod val="75000"/>
+                  </a:schemeClr>
+                </a:solidFill>
+                <a:latin typeface="Calibri"/>
+              </a:rPr>
+              <a:t>bobbysbadbitch</a:t>
+            </a:r>
+            <a:r>
+              <a:rPr lang="en-US" sz="4800" dirty="0">
+                <a:solidFill>
+                  <a:schemeClr val="accent2">
+                    <a:lumMod val="75000"/>
+                  </a:schemeClr>
+                </a:solidFill>
+                <a:latin typeface="Calibri"/>
+              </a:rPr>
+              <a:t> </a:t>
+            </a:r>
+            <a:r>
+              <a:rPr lang="en-US" sz="4800" dirty="0" err="1">
+                <a:solidFill>
+                  <a:schemeClr val="accent2">
+                    <a:lumMod val="75000"/>
+                  </a:schemeClr>
+                </a:solidFill>
+                <a:latin typeface="Calibri"/>
+              </a:rPr>
+              <a:t>i’m</a:t>
+            </a:r>
+            <a:r>
+              <a:rPr lang="en-US" sz="4800" dirty="0">
+                <a:solidFill>
+                  <a:schemeClr val="accent2">
+                    <a:lumMod val="75000"/>
+                  </a:schemeClr>
+                </a:solidFill>
+                <a:latin typeface="Calibri"/>
+              </a:rPr>
+              <a:t> </a:t>
+            </a:r>
+            <a:r>
+              <a:rPr lang="en-US" sz="4800" dirty="0" err="1">
+                <a:solidFill>
+                  <a:schemeClr val="accent2">
+                    <a:lumMod val="75000"/>
+                  </a:schemeClr>
+                </a:solidFill>
+                <a:latin typeface="Calibri"/>
+              </a:rPr>
+              <a:t>tryna</a:t>
+            </a:r>
+            <a:r>
+              <a:rPr lang="en-US" sz="4800" dirty="0">
+                <a:solidFill>
+                  <a:schemeClr val="accent2">
+                    <a:lumMod val="75000"/>
+                  </a:schemeClr>
+                </a:solidFill>
+                <a:latin typeface="Calibri"/>
+              </a:rPr>
+              <a:t> marry </a:t>
+            </a:r>
+            <a:r>
+              <a:rPr lang="en-US" sz="4800" dirty="0" err="1">
+                <a:solidFill>
+                  <a:schemeClr val="accent2">
+                    <a:lumMod val="75000"/>
+                  </a:schemeClr>
+                </a:solidFill>
+                <a:latin typeface="Calibri"/>
+              </a:rPr>
+              <a:t>johnny</a:t>
+            </a:r>
+            <a:r>
+              <a:rPr lang="en-US" sz="4800" dirty="0">
+                <a:solidFill>
+                  <a:schemeClr val="accent2">
+                    <a:lumMod val="75000"/>
+                  </a:schemeClr>
+                </a:solidFill>
+                <a:latin typeface="Calibri"/>
+              </a:rPr>
+              <a:t>, not you so.. BERT and Unigram model are able to cope with this.</a:t>
+            </a:r>
+            <a:br>
+              <a:rPr lang="en-US" sz="4800" dirty="0">
+                <a:solidFill>
+                  <a:schemeClr val="accent2">
+                    <a:lumMod val="75000"/>
+                  </a:schemeClr>
+                </a:solidFill>
+                <a:latin typeface="Calibri"/>
+              </a:rPr>
+            </a:br>
+            <a:endParaRPr lang="en-US" sz="4800" dirty="0">
+              <a:solidFill>
+                <a:schemeClr val="accent2">
+                  <a:lumMod val="75000"/>
+                </a:schemeClr>
+              </a:solidFill>
+              <a:latin typeface="Calibri"/>
+            </a:endParaRPr>
+          </a:p>
+          <a:p>
+            <a:pPr marL="685800" indent="-685800" eaLnBrk="1" hangingPunct="1">
+              <a:buFontTx/>
+              <a:buChar char="-"/>
+            </a:pPr>
+            <a:r>
+              <a:rPr lang="en-US" sz="4800" b="1" dirty="0">
+                <a:solidFill>
+                  <a:schemeClr val="accent2">
+                    <a:lumMod val="75000"/>
+                  </a:schemeClr>
+                </a:solidFill>
+                <a:latin typeface="Calibri"/>
+              </a:rPr>
+              <a:t>Problems with BERT: 1) </a:t>
+            </a:r>
+            <a:r>
+              <a:rPr lang="en-US" sz="4800" dirty="0">
+                <a:solidFill>
+                  <a:schemeClr val="accent2">
+                    <a:lumMod val="75000"/>
+                  </a:schemeClr>
+                </a:solidFill>
+                <a:latin typeface="Calibri"/>
+              </a:rPr>
+              <a:t>Harder to interpret</a:t>
+            </a:r>
+            <a:br>
+              <a:rPr lang="en-US" sz="4800" dirty="0">
+                <a:solidFill>
+                  <a:schemeClr val="accent2">
+                    <a:lumMod val="75000"/>
+                  </a:schemeClr>
+                </a:solidFill>
+                <a:latin typeface="Calibri"/>
+              </a:rPr>
+            </a:br>
+            <a:r>
+              <a:rPr lang="en-US" sz="4800" b="1" dirty="0">
+                <a:solidFill>
+                  <a:schemeClr val="accent2">
+                    <a:lumMod val="75000"/>
+                  </a:schemeClr>
+                </a:solidFill>
+                <a:latin typeface="Calibri"/>
+              </a:rPr>
+              <a:t>2) </a:t>
+            </a:r>
+            <a:r>
+              <a:rPr lang="en-US" sz="4800" dirty="0">
+                <a:solidFill>
+                  <a:schemeClr val="accent2">
+                    <a:lumMod val="75000"/>
+                  </a:schemeClr>
+                </a:solidFill>
+                <a:latin typeface="Calibri"/>
+              </a:rPr>
+              <a:t>Still fails to recognize subtle offensive language: </a:t>
+            </a:r>
+            <a:r>
+              <a:rPr lang="en-US" sz="4800" dirty="0" err="1">
+                <a:solidFill>
+                  <a:schemeClr val="accent2">
+                    <a:lumMod val="75000"/>
+                  </a:schemeClr>
+                </a:solidFill>
+                <a:latin typeface="Calibri"/>
+              </a:rPr>
+              <a:t>egs</a:t>
+            </a:r>
+            <a:r>
+              <a:rPr lang="en-US" sz="4800" dirty="0">
+                <a:solidFill>
+                  <a:schemeClr val="accent2">
+                    <a:lumMod val="75000"/>
+                  </a:schemeClr>
+                </a:solidFill>
+                <a:latin typeface="Calibri"/>
+              </a:rPr>
+              <a:t>: “you are nothing more than a #pigeon, pooping upon the chess board of this thread.”</a:t>
             </a:r>
             <a:br>
               <a:rPr lang="en-US" sz="4800" dirty="0">
@@ -12213,7 +12468,7 @@
                 </a:solidFill>
                 <a:latin typeface="Calibri"/>
               </a:rPr>
-              <a:t>		 	Ranked = 40</a:t>
+              <a:t>Ranked 40</a:t>
             </a:r>
             <a:r>
               <a:rPr lang="en-US" sz="4800" spc="-1" baseline="101000" dirty="0">
@@ -12231,7 +12486,7 @@
                 </a:solidFill>
                 <a:latin typeface="Calibri"/>
               </a:rPr>
-              <a:t> in leaderboard</a:t>
+              <a:t> in leaderboard out of 104 teams</a:t>
             </a:r>
             <a:endParaRPr lang="en-US" sz="4800" spc="-1" dirty="0">
               <a:latin typeface="Arial"/>
